--- a/Later/Spring/7_Event Handling in Spring/1/Event Handling in Spring_Context_start_stop.pptx
+++ b/Later/Spring/7_Event Handling in Spring/1/Event Handling in Spring_Context_start_stop.pptx
@@ -196,7 +196,7 @@
           <a:p>
             <a:fld id="{62274EC6-3890-417B-9308-14EFBD00FA63}" type="datetimeFigureOut">
               <a:rPr lang="en-US" smtClean="0"/>
-              <a:t>4/4/2018</a:t>
+              <a:t>4/5/2018</a:t>
             </a:fld>
             <a:endParaRPr lang="en-US" dirty="0"/>
           </a:p>
@@ -1091,7 +1091,7 @@
             <a:fld id="{1D8BD707-D9CF-40AE-B4C6-C98DA3205C09}" type="datetimeFigureOut">
               <a:rPr lang="en-US" smtClean="0"/>
               <a:pPr/>
-              <a:t>4/4/2018</a:t>
+              <a:t>4/5/2018</a:t>
             </a:fld>
             <a:endParaRPr lang="en-US" dirty="0"/>
           </a:p>
@@ -1263,7 +1263,7 @@
             <a:fld id="{1D8BD707-D9CF-40AE-B4C6-C98DA3205C09}" type="datetimeFigureOut">
               <a:rPr lang="en-US" smtClean="0"/>
               <a:pPr/>
-              <a:t>4/4/2018</a:t>
+              <a:t>4/5/2018</a:t>
             </a:fld>
             <a:endParaRPr lang="en-US" dirty="0"/>
           </a:p>
@@ -1445,7 +1445,7 @@
             <a:fld id="{1D8BD707-D9CF-40AE-B4C6-C98DA3205C09}" type="datetimeFigureOut">
               <a:rPr lang="en-US" smtClean="0"/>
               <a:pPr/>
-              <a:t>4/4/2018</a:t>
+              <a:t>4/5/2018</a:t>
             </a:fld>
             <a:endParaRPr lang="en-US" dirty="0"/>
           </a:p>
@@ -1617,7 +1617,7 @@
             <a:fld id="{1D8BD707-D9CF-40AE-B4C6-C98DA3205C09}" type="datetimeFigureOut">
               <a:rPr lang="en-US" smtClean="0"/>
               <a:pPr/>
-              <a:t>4/4/2018</a:t>
+              <a:t>4/5/2018</a:t>
             </a:fld>
             <a:endParaRPr lang="en-US" dirty="0"/>
           </a:p>
@@ -1865,7 +1865,7 @@
             <a:fld id="{1D8BD707-D9CF-40AE-B4C6-C98DA3205C09}" type="datetimeFigureOut">
               <a:rPr lang="en-US" smtClean="0"/>
               <a:pPr/>
-              <a:t>4/4/2018</a:t>
+              <a:t>4/5/2018</a:t>
             </a:fld>
             <a:endParaRPr lang="en-US" dirty="0"/>
           </a:p>
@@ -2155,7 +2155,7 @@
             <a:fld id="{1D8BD707-D9CF-40AE-B4C6-C98DA3205C09}" type="datetimeFigureOut">
               <a:rPr lang="en-US" smtClean="0"/>
               <a:pPr/>
-              <a:t>4/4/2018</a:t>
+              <a:t>4/5/2018</a:t>
             </a:fld>
             <a:endParaRPr lang="en-US" dirty="0"/>
           </a:p>
@@ -2584,7 +2584,7 @@
             <a:fld id="{1D8BD707-D9CF-40AE-B4C6-C98DA3205C09}" type="datetimeFigureOut">
               <a:rPr lang="en-US" smtClean="0"/>
               <a:pPr/>
-              <a:t>4/4/2018</a:t>
+              <a:t>4/5/2018</a:t>
             </a:fld>
             <a:endParaRPr lang="en-US" dirty="0"/>
           </a:p>
@@ -2704,7 +2704,7 @@
             <a:fld id="{1D8BD707-D9CF-40AE-B4C6-C98DA3205C09}" type="datetimeFigureOut">
               <a:rPr lang="en-US" smtClean="0"/>
               <a:pPr/>
-              <a:t>4/4/2018</a:t>
+              <a:t>4/5/2018</a:t>
             </a:fld>
             <a:endParaRPr lang="en-US" dirty="0"/>
           </a:p>
@@ -2801,7 +2801,7 @@
             <a:fld id="{1D8BD707-D9CF-40AE-B4C6-C98DA3205C09}" type="datetimeFigureOut">
               <a:rPr lang="en-US" smtClean="0"/>
               <a:pPr/>
-              <a:t>4/4/2018</a:t>
+              <a:t>4/5/2018</a:t>
             </a:fld>
             <a:endParaRPr lang="en-US" dirty="0"/>
           </a:p>
@@ -3080,7 +3080,7 @@
             <a:fld id="{1D8BD707-D9CF-40AE-B4C6-C98DA3205C09}" type="datetimeFigureOut">
               <a:rPr lang="en-US" smtClean="0"/>
               <a:pPr/>
-              <a:t>4/4/2018</a:t>
+              <a:t>4/5/2018</a:t>
             </a:fld>
             <a:endParaRPr lang="en-US" dirty="0"/>
           </a:p>
@@ -3335,7 +3335,7 @@
             <a:fld id="{1D8BD707-D9CF-40AE-B4C6-C98DA3205C09}" type="datetimeFigureOut">
               <a:rPr lang="en-US" smtClean="0"/>
               <a:pPr/>
-              <a:t>4/4/2018</a:t>
+              <a:t>4/5/2018</a:t>
             </a:fld>
             <a:endParaRPr lang="en-US" dirty="0"/>
           </a:p>
@@ -3550,7 +3550,7 @@
             <a:fld id="{1D8BD707-D9CF-40AE-B4C6-C98DA3205C09}" type="datetimeFigureOut">
               <a:rPr lang="en-US" smtClean="0"/>
               <a:pPr/>
-              <a:t>4/4/2018</a:t>
+              <a:t>4/5/2018</a:t>
             </a:fld>
             <a:endParaRPr lang="en-US" dirty="0"/>
           </a:p>
@@ -4310,23 +4310,7 @@
                   <a:schemeClr val="bg1"/>
                 </a:solidFill>
               </a:rPr>
-              <a:t>Application Event(</a:t>
-            </a:r>
-            <a:r>
-              <a:rPr lang="en-US" sz="1100" i="1" dirty="0" smtClean="0">
-                <a:solidFill>
-                  <a:schemeClr val="bg1"/>
-                </a:solidFill>
-              </a:rPr>
-              <a:t>e.g</a:t>
-            </a:r>
-            <a:r>
-              <a:rPr lang="en-US" sz="1100" i="1" dirty="0" smtClean="0">
-                <a:solidFill>
-                  <a:schemeClr val="bg1"/>
-                </a:solidFill>
-              </a:rPr>
-              <a:t> ContextStartedEvent,</a:t>
+              <a:t>Application Event(e.g ContextStartedEvent,</a:t>
             </a:r>
             <a:r>
               <a:rPr lang="en-US" sz="1100" i="1" dirty="0">
@@ -4491,8 +4475,8 @@
         </p:nvSpPr>
         <p:spPr>
           <a:xfrm>
-            <a:off x="136525" y="1058800"/>
-            <a:ext cx="8531225" cy="1676400"/>
+            <a:off x="136525" y="465138"/>
+            <a:ext cx="8778875" cy="2270062"/>
           </a:xfrm>
           <a:prstGeom prst="rect">
             <a:avLst/>
@@ -4689,7 +4673,28 @@
             </a:r>
             <a:r>
               <a:rPr lang="en-US" sz="1200" dirty="0"/>
-              <a:t>the ApplicationContext, that bean is notified.</a:t>
+              <a:t>the ApplicationContext, that bean is notified</a:t>
+            </a:r>
+            <a:r>
+              <a:rPr lang="en-US" sz="1200" dirty="0" smtClean="0"/>
+              <a:t>.</a:t>
+            </a:r>
+          </a:p>
+          <a:p>
+            <a:pPr marL="171450" indent="-171450">
+              <a:buFont typeface="Wingdings" pitchFamily="2" charset="2"/>
+              <a:buChar char="ü"/>
+            </a:pPr>
+            <a:endParaRPr lang="en-US" sz="1200" dirty="0"/>
+          </a:p>
+          <a:p>
+            <a:pPr marL="171450" indent="-171450">
+              <a:buFont typeface="Wingdings" pitchFamily="2" charset="2"/>
+              <a:buChar char="ü"/>
+            </a:pPr>
+            <a:r>
+              <a:rPr lang="en-US" sz="1200" dirty="0"/>
+              <a:t>Spring's event handling is single-threaded so if an event is published, until and unless all the receivers get the message, the processes are blocked and the flow will not continue. Hence, care should be taken when designing your application if the event handling is to be used.</a:t>
             </a:r>
             <a:endParaRPr lang="en-US" sz="1200" dirty="0"/>
           </a:p>
@@ -5052,7 +5057,6 @@
               <a:rPr lang="en-US" sz="1200" dirty="0"/>
               <a:t>. You can poll your database or you can restart any stopped application after receiving this event.</a:t>
             </a:r>
-            <a:endParaRPr lang="en-US" sz="1200" dirty="0"/>
           </a:p>
         </p:txBody>
       </p:sp>
@@ -5114,7 +5118,6 @@
               <a:rPr lang="en-US" sz="1200" dirty="0"/>
               <a:t>. You can do required housekeep work after receiving this event.</a:t>
             </a:r>
-            <a:endParaRPr lang="en-US" sz="1200" dirty="0"/>
           </a:p>
         </p:txBody>
       </p:sp>
@@ -5157,7 +5160,6 @@
               <a:rPr lang="en-US" sz="1200" dirty="0"/>
               <a:t>ContextStartedEvent</a:t>
             </a:r>
-            <a:endParaRPr lang="en-US" sz="1200" dirty="0"/>
           </a:p>
         </p:txBody>
       </p:sp>
@@ -5200,7 +5202,6 @@
               <a:rPr lang="en-US" sz="1200" dirty="0"/>
               <a:t>ContextStoppedEvent</a:t>
             </a:r>
-            <a:endParaRPr lang="en-US" sz="1200" dirty="0"/>
           </a:p>
         </p:txBody>
       </p:sp>
@@ -5654,7 +5655,6 @@
               <a:rPr lang="en-US" sz="1000" dirty="0"/>
               <a:t>.</a:t>
             </a:r>
-            <a:endParaRPr lang="en-US" sz="1000" dirty="0"/>
           </a:p>
         </p:txBody>
       </p:sp>
